--- a/Clase6/Presentación.pptx
+++ b/Clase6/Presentación.pptx
@@ -10511,6 +10511,138 @@
           </a:fontRef>
         </p:style>
       </p:cxnSp>
+      <p:sp>
+        <p:nvSpPr>
+          <p:cNvPr id="24" name="Rectángulo 23"/>
+          <p:cNvSpPr/>
+          <p:nvPr/>
+        </p:nvSpPr>
+        <p:spPr>
+          <a:xfrm>
+            <a:off x="7958204" y="4007642"/>
+            <a:ext cx="567971" cy="567971"/>
+          </a:xfrm>
+          <a:prstGeom prst="rect">
+            <a:avLst/>
+          </a:prstGeom>
+        </p:spPr>
+        <p:style>
+          <a:lnRef idx="2">
+            <a:schemeClr val="accent1">
+              <a:shade val="50000"/>
+            </a:schemeClr>
+          </a:lnRef>
+          <a:fillRef idx="1">
+            <a:schemeClr val="accent1"/>
+          </a:fillRef>
+          <a:effectRef idx="0">
+            <a:schemeClr val="accent1"/>
+          </a:effectRef>
+          <a:fontRef idx="minor">
+            <a:schemeClr val="lt1"/>
+          </a:fontRef>
+        </p:style>
+        <p:txBody>
+          <a:bodyPr rtlCol="0" anchor="ctr"/>
+          <a:lstStyle/>
+          <a:p>
+            <a:pPr algn="ctr"/>
+            <a:r>
+              <a:rPr lang="es-ES" sz="1200" dirty="0" err="1" smtClean="0"/>
+              <a:t>Main</a:t>
+            </a:r>
+            <a:endParaRPr lang="es-CO" sz="1200" dirty="0"/>
+          </a:p>
+        </p:txBody>
+      </p:sp>
+      <p:sp>
+        <p:nvSpPr>
+          <p:cNvPr id="32" name="Rectángulo 31"/>
+          <p:cNvSpPr/>
+          <p:nvPr/>
+        </p:nvSpPr>
+        <p:spPr>
+          <a:xfrm>
+            <a:off x="6668472" y="3262021"/>
+            <a:ext cx="567971" cy="567971"/>
+          </a:xfrm>
+          <a:prstGeom prst="rect">
+            <a:avLst/>
+          </a:prstGeom>
+        </p:spPr>
+        <p:style>
+          <a:lnRef idx="2">
+            <a:schemeClr val="accent1">
+              <a:shade val="50000"/>
+            </a:schemeClr>
+          </a:lnRef>
+          <a:fillRef idx="1">
+            <a:schemeClr val="accent1"/>
+          </a:fillRef>
+          <a:effectRef idx="0">
+            <a:schemeClr val="accent1"/>
+          </a:effectRef>
+          <a:fontRef idx="minor">
+            <a:schemeClr val="lt1"/>
+          </a:fontRef>
+        </p:style>
+        <p:txBody>
+          <a:bodyPr rtlCol="0" anchor="ctr"/>
+          <a:lstStyle/>
+          <a:p>
+            <a:pPr algn="ctr"/>
+            <a:r>
+              <a:rPr lang="es-ES" sz="1200" dirty="0" err="1" smtClean="0"/>
+              <a:t>Main</a:t>
+            </a:r>
+            <a:endParaRPr lang="es-CO" sz="1200" dirty="0"/>
+          </a:p>
+        </p:txBody>
+      </p:sp>
+      <p:sp>
+        <p:nvSpPr>
+          <p:cNvPr id="33" name="Rectángulo 32"/>
+          <p:cNvSpPr/>
+          <p:nvPr/>
+        </p:nvSpPr>
+        <p:spPr>
+          <a:xfrm>
+            <a:off x="7766426" y="2275339"/>
+            <a:ext cx="567971" cy="567971"/>
+          </a:xfrm>
+          <a:prstGeom prst="rect">
+            <a:avLst/>
+          </a:prstGeom>
+        </p:spPr>
+        <p:style>
+          <a:lnRef idx="2">
+            <a:schemeClr val="accent1">
+              <a:shade val="50000"/>
+            </a:schemeClr>
+          </a:lnRef>
+          <a:fillRef idx="1">
+            <a:schemeClr val="accent1"/>
+          </a:fillRef>
+          <a:effectRef idx="0">
+            <a:schemeClr val="accent1"/>
+          </a:effectRef>
+          <a:fontRef idx="minor">
+            <a:schemeClr val="lt1"/>
+          </a:fontRef>
+        </p:style>
+        <p:txBody>
+          <a:bodyPr rtlCol="0" anchor="ctr"/>
+          <a:lstStyle/>
+          <a:p>
+            <a:pPr algn="ctr"/>
+            <a:r>
+              <a:rPr lang="es-ES" sz="1200" dirty="0" err="1" smtClean="0"/>
+              <a:t>Main</a:t>
+            </a:r>
+            <a:endParaRPr lang="es-CO" sz="1200" dirty="0"/>
+          </a:p>
+        </p:txBody>
+      </p:sp>
     </p:spTree>
     <p:extLst>
       <p:ext uri="{BB962C8B-B14F-4D97-AF65-F5344CB8AC3E}">

--- a/Clase6/Presentación.pptx
+++ b/Clase6/Presentación.pptx
@@ -5,7 +5,7 @@
     <p:sldMasterId id="2147483672" r:id="rId1"/>
   </p:sldMasterIdLst>
   <p:notesMasterIdLst>
-    <p:notesMasterId r:id="rId11"/>
+    <p:notesMasterId r:id="rId12"/>
   </p:notesMasterIdLst>
   <p:sldIdLst>
     <p:sldId id="256" r:id="rId2"/>
@@ -17,6 +17,7 @@
     <p:sldId id="327" r:id="rId8"/>
     <p:sldId id="329" r:id="rId9"/>
     <p:sldId id="330" r:id="rId10"/>
+    <p:sldId id="331" r:id="rId11"/>
   </p:sldIdLst>
   <p:sldSz cx="12192000" cy="6858000"/>
   <p:notesSz cx="6858000" cy="9144000"/>
@@ -205,7 +206,7 @@
           <a:p>
             <a:fld id="{430AAACB-714D-4ED6-9BCD-E10DE1E326CF}" type="datetimeFigureOut">
               <a:rPr lang="es-CO" smtClean="0"/>
-              <a:t>3/09/2019</a:t>
+              <a:t>5/09/2019</a:t>
             </a:fld>
             <a:endParaRPr lang="es-CO"/>
           </a:p>
@@ -699,7 +700,7 @@
           <a:p>
             <a:fld id="{C214C790-AC43-4046-BAB7-879940BCF0AB}" type="datetimeFigureOut">
               <a:rPr lang="es-CO" smtClean="0"/>
-              <a:t>3/09/2019</a:t>
+              <a:t>5/09/2019</a:t>
             </a:fld>
             <a:endParaRPr lang="es-CO"/>
           </a:p>
@@ -907,7 +908,7 @@
           <a:p>
             <a:fld id="{C214C790-AC43-4046-BAB7-879940BCF0AB}" type="datetimeFigureOut">
               <a:rPr lang="es-CO" smtClean="0"/>
-              <a:t>3/09/2019</a:t>
+              <a:t>5/09/2019</a:t>
             </a:fld>
             <a:endParaRPr lang="es-CO"/>
           </a:p>
@@ -1163,7 +1164,7 @@
           <a:p>
             <a:fld id="{C214C790-AC43-4046-BAB7-879940BCF0AB}" type="datetimeFigureOut">
               <a:rPr lang="es-CO" smtClean="0"/>
-              <a:t>3/09/2019</a:t>
+              <a:t>5/09/2019</a:t>
             </a:fld>
             <a:endParaRPr lang="es-CO"/>
           </a:p>
@@ -1333,7 +1334,7 @@
           <a:p>
             <a:fld id="{C214C790-AC43-4046-BAB7-879940BCF0AB}" type="datetimeFigureOut">
               <a:rPr lang="es-CO" smtClean="0"/>
-              <a:t>3/09/2019</a:t>
+              <a:t>5/09/2019</a:t>
             </a:fld>
             <a:endParaRPr lang="es-CO"/>
           </a:p>
@@ -1676,7 +1677,7 @@
           <a:p>
             <a:fld id="{C214C790-AC43-4046-BAB7-879940BCF0AB}" type="datetimeFigureOut">
               <a:rPr lang="es-CO" smtClean="0"/>
-              <a:t>3/09/2019</a:t>
+              <a:t>5/09/2019</a:t>
             </a:fld>
             <a:endParaRPr lang="es-CO"/>
           </a:p>
@@ -1951,7 +1952,7 @@
           <a:p>
             <a:fld id="{C214C790-AC43-4046-BAB7-879940BCF0AB}" type="datetimeFigureOut">
               <a:rPr lang="es-CO" smtClean="0"/>
-              <a:t>3/09/2019</a:t>
+              <a:t>5/09/2019</a:t>
             </a:fld>
             <a:endParaRPr lang="es-CO"/>
           </a:p>
@@ -2330,7 +2331,7 @@
           <a:p>
             <a:fld id="{C214C790-AC43-4046-BAB7-879940BCF0AB}" type="datetimeFigureOut">
               <a:rPr lang="es-CO" smtClean="0"/>
-              <a:t>3/09/2019</a:t>
+              <a:t>5/09/2019</a:t>
             </a:fld>
             <a:endParaRPr lang="es-CO"/>
           </a:p>
@@ -2448,7 +2449,7 @@
           <a:p>
             <a:fld id="{C214C790-AC43-4046-BAB7-879940BCF0AB}" type="datetimeFigureOut">
               <a:rPr lang="es-CO" smtClean="0"/>
-              <a:t>3/09/2019</a:t>
+              <a:t>5/09/2019</a:t>
             </a:fld>
             <a:endParaRPr lang="es-CO"/>
           </a:p>
@@ -2619,7 +2620,7 @@
           <a:p>
             <a:fld id="{C214C790-AC43-4046-BAB7-879940BCF0AB}" type="datetimeFigureOut">
               <a:rPr lang="es-CO" smtClean="0"/>
-              <a:t>3/09/2019</a:t>
+              <a:t>5/09/2019</a:t>
             </a:fld>
             <a:endParaRPr lang="es-CO"/>
           </a:p>
@@ -2973,7 +2974,7 @@
           <a:p>
             <a:fld id="{C214C790-AC43-4046-BAB7-879940BCF0AB}" type="datetimeFigureOut">
               <a:rPr lang="es-CO" smtClean="0"/>
-              <a:t>3/09/2019</a:t>
+              <a:t>5/09/2019</a:t>
             </a:fld>
             <a:endParaRPr lang="es-CO"/>
           </a:p>
@@ -3350,7 +3351,7 @@
           <a:p>
             <a:fld id="{C214C790-AC43-4046-BAB7-879940BCF0AB}" type="datetimeFigureOut">
               <a:rPr lang="es-CO" smtClean="0"/>
-              <a:t>3/09/2019</a:t>
+              <a:t>5/09/2019</a:t>
             </a:fld>
             <a:endParaRPr lang="es-CO"/>
           </a:p>
@@ -3637,7 +3638,7 @@
           <a:p>
             <a:fld id="{C214C790-AC43-4046-BAB7-879940BCF0AB}" type="datetimeFigureOut">
               <a:rPr lang="es-CO" smtClean="0"/>
-              <a:t>3/09/2019</a:t>
+              <a:t>5/09/2019</a:t>
             </a:fld>
             <a:endParaRPr lang="es-CO"/>
           </a:p>
@@ -4215,6 +4216,187 @@
     <p:extLst>
       <p:ext uri="{BB962C8B-B14F-4D97-AF65-F5344CB8AC3E}">
         <p14:creationId xmlns:p14="http://schemas.microsoft.com/office/powerpoint/2010/main" val="1252790826"/>
+      </p:ext>
+    </p:extLst>
+  </p:cSld>
+  <p:clrMapOvr>
+    <a:masterClrMapping/>
+  </p:clrMapOvr>
+  <p:timing>
+    <p:tnLst>
+      <p:par>
+        <p:cTn id="1" dur="indefinite" restart="never" nodeType="tmRoot"/>
+      </p:par>
+    </p:tnLst>
+  </p:timing>
+</p:sld>
+</file>
+
+<file path=ppt/slides/slide10.xml><?xml version="1.0" encoding="utf-8"?>
+<p:sld xmlns:a="http://schemas.openxmlformats.org/drawingml/2006/main" xmlns:r="http://schemas.openxmlformats.org/officeDocument/2006/relationships" xmlns:p="http://schemas.openxmlformats.org/presentationml/2006/main">
+  <p:cSld>
+    <p:spTree>
+      <p:nvGrpSpPr>
+        <p:cNvPr id="1" name=""/>
+        <p:cNvGrpSpPr/>
+        <p:nvPr/>
+      </p:nvGrpSpPr>
+      <p:grpSpPr>
+        <a:xfrm>
+          <a:off x="0" y="0"/>
+          <a:ext cx="0" cy="0"/>
+          <a:chOff x="0" y="0"/>
+          <a:chExt cx="0" cy="0"/>
+        </a:xfrm>
+      </p:grpSpPr>
+      <p:sp>
+        <p:nvSpPr>
+          <p:cNvPr id="2" name="Título 1"/>
+          <p:cNvSpPr>
+            <a:spLocks noGrp="1"/>
+          </p:cNvSpPr>
+          <p:nvPr>
+            <p:ph type="title"/>
+          </p:nvPr>
+        </p:nvSpPr>
+        <p:spPr/>
+        <p:txBody>
+          <a:bodyPr/>
+          <a:lstStyle/>
+          <a:p>
+            <a:r>
+              <a:rPr lang="es-ES" dirty="0" smtClean="0"/>
+              <a:t>Taller en clase</a:t>
+            </a:r>
+            <a:endParaRPr lang="es-CO" dirty="0"/>
+          </a:p>
+        </p:txBody>
+      </p:sp>
+      <p:sp>
+        <p:nvSpPr>
+          <p:cNvPr id="3" name="Marcador de contenido 2"/>
+          <p:cNvSpPr>
+            <a:spLocks noGrp="1"/>
+          </p:cNvSpPr>
+          <p:nvPr>
+            <p:ph idx="1"/>
+          </p:nvPr>
+        </p:nvSpPr>
+        <p:spPr/>
+        <p:txBody>
+          <a:bodyPr>
+            <a:normAutofit fontScale="92500" lnSpcReduction="20000"/>
+          </a:bodyPr>
+          <a:lstStyle/>
+          <a:p>
+            <a:pPr marL="0" indent="0">
+              <a:buNone/>
+            </a:pPr>
+            <a:r>
+              <a:rPr lang="es-ES" b="1" dirty="0" smtClean="0"/>
+              <a:t>CLIENTE</a:t>
+            </a:r>
+          </a:p>
+          <a:p>
+            <a:pPr>
+              <a:buFont typeface="Wingdings" panose="05000000000000000000" pitchFamily="2" charset="2"/>
+              <a:buChar char="Ø"/>
+            </a:pPr>
+            <a:r>
+              <a:rPr lang="es-ES" dirty="0" smtClean="0"/>
+              <a:t>Diseñe la ventana de chat en el cliente de modo que pueda representar el chat comunitario que ya está, pero adicionalmente que muestre una lista de quién está conectado. La lista puede ser otro </a:t>
+            </a:r>
+            <a:r>
+              <a:rPr lang="es-ES" dirty="0" err="1" smtClean="0"/>
+              <a:t>TextArea</a:t>
+            </a:r>
+            <a:r>
+              <a:rPr lang="es-ES" dirty="0" smtClean="0"/>
+              <a:t> con alguna interfaz que me permita seleccionar un usuario de la lista. (2 puntos)</a:t>
+            </a:r>
+          </a:p>
+          <a:p>
+            <a:pPr>
+              <a:buFont typeface="Wingdings" panose="05000000000000000000" pitchFamily="2" charset="2"/>
+              <a:buChar char="Ø"/>
+            </a:pPr>
+            <a:r>
+              <a:rPr lang="es-ES" dirty="0" smtClean="0"/>
+              <a:t>Luego de seleccionarlo, puede enviarle mensajes privados a esa persona. (1 punto)</a:t>
+            </a:r>
+          </a:p>
+          <a:p>
+            <a:pPr marL="0" indent="0">
+              <a:buNone/>
+            </a:pPr>
+            <a:r>
+              <a:rPr lang="es-ES" b="1" dirty="0" smtClean="0"/>
+              <a:t>SEVIDOR</a:t>
+            </a:r>
+          </a:p>
+          <a:p>
+            <a:pPr>
+              <a:buFont typeface="Wingdings" panose="05000000000000000000" pitchFamily="2" charset="2"/>
+              <a:buChar char="Ø"/>
+            </a:pPr>
+            <a:r>
+              <a:rPr lang="es-ES" dirty="0" smtClean="0"/>
+              <a:t>Cree </a:t>
+            </a:r>
+            <a:r>
+              <a:rPr lang="es-ES" dirty="0"/>
+              <a:t>o reestructure un modelo para soportar la funcionalidad de chat privado (1 punto</a:t>
+            </a:r>
+            <a:r>
+              <a:rPr lang="es-ES" dirty="0" smtClean="0"/>
+              <a:t>)</a:t>
+            </a:r>
+            <a:endParaRPr lang="es-ES" b="1" dirty="0" smtClean="0"/>
+          </a:p>
+          <a:p>
+            <a:pPr>
+              <a:buFont typeface="Wingdings" panose="05000000000000000000" pitchFamily="2" charset="2"/>
+              <a:buChar char="Ø"/>
+            </a:pPr>
+            <a:r>
+              <a:rPr lang="es-ES" dirty="0" smtClean="0"/>
+              <a:t>La persona que recibe el mensaje, lo recibe con alguna indicación en texto (1 punto):</a:t>
+            </a:r>
+          </a:p>
+          <a:p>
+            <a:pPr marL="0" indent="0">
+              <a:buNone/>
+            </a:pPr>
+            <a:r>
+              <a:rPr lang="es-ES" b="1" dirty="0" smtClean="0"/>
+              <a:t>(Nelson te ha enviado un mensaje directo): </a:t>
+            </a:r>
+          </a:p>
+          <a:p>
+            <a:pPr marL="0" indent="0">
+              <a:buNone/>
+            </a:pPr>
+            <a:r>
+              <a:rPr lang="es-ES" b="1" smtClean="0"/>
+              <a:t>Hola Marisol</a:t>
+            </a:r>
+            <a:endParaRPr lang="es-ES" dirty="0" smtClean="0"/>
+          </a:p>
+          <a:p>
+            <a:pPr marL="0" indent="0">
+              <a:buNone/>
+            </a:pPr>
+            <a:r>
+              <a:rPr lang="es-ES" b="1" dirty="0" smtClean="0"/>
+              <a:t>NOTA: Sólo envíe objetos a través de la aplicación cliente</a:t>
+            </a:r>
+          </a:p>
+        </p:txBody>
+      </p:sp>
+    </p:spTree>
+    <p:extLst>
+      <p:ext uri="{BB962C8B-B14F-4D97-AF65-F5344CB8AC3E}">
+        <p14:creationId xmlns:p14="http://schemas.microsoft.com/office/powerpoint/2010/main" val="3074805428"/>
       </p:ext>
     </p:extLst>
   </p:cSld>
